--- a/ppt 16-9/1271.耶稣喜爱你.pptx
+++ b/ppt 16-9/1271.耶稣喜爱你.pptx
@@ -129,7 +129,7 @@
           <p:cNvPr id="2" name="标题 1">
             <a:extLst>
               <a:ext uri="{FF2B5EF4-FFF2-40B4-BE49-F238E27FC236}">
-                <a16:creationId xmlns:a16="http://schemas.microsoft.com/office/drawing/2014/main" id="{1CDCF4DF-B4D9-5538-A979-FBA02A2932BD}"/>
+                <a16:creationId xmlns:a16="http://schemas.microsoft.com/office/drawing/2014/main" id="{2FBA9D6F-0A51-D920-8218-5C32AA540E3C}"/>
               </a:ext>
             </a:extLst>
           </p:cNvPr>
@@ -166,7 +166,7 @@
           <p:cNvPr id="3" name="副标题 2">
             <a:extLst>
               <a:ext uri="{FF2B5EF4-FFF2-40B4-BE49-F238E27FC236}">
-                <a16:creationId xmlns:a16="http://schemas.microsoft.com/office/drawing/2014/main" id="{9D6EEFEC-96E3-9151-3D9A-C44E52A9ADF8}"/>
+                <a16:creationId xmlns:a16="http://schemas.microsoft.com/office/drawing/2014/main" id="{350E12B1-7635-4559-7D98-03CB026FC036}"/>
               </a:ext>
             </a:extLst>
           </p:cNvPr>
@@ -236,7 +236,7 @@
           <p:cNvPr id="4" name="日期占位符 3">
             <a:extLst>
               <a:ext uri="{FF2B5EF4-FFF2-40B4-BE49-F238E27FC236}">
-                <a16:creationId xmlns:a16="http://schemas.microsoft.com/office/drawing/2014/main" id="{8FDAE328-C08E-B504-F14B-FE66F3BDAE1B}"/>
+                <a16:creationId xmlns:a16="http://schemas.microsoft.com/office/drawing/2014/main" id="{216465AF-B9FA-4854-626F-B6F838132A5D}"/>
               </a:ext>
             </a:extLst>
           </p:cNvPr>
@@ -252,7 +252,7 @@
           <a:bodyPr/>
           <a:lstStyle/>
           <a:p>
-            <a:fld id="{C777B3F1-DD18-4C3A-A7EF-9E0667E34470}" type="datetimeFigureOut">
+            <a:fld id="{E65283FF-AA1B-4751-B77A-CCBE6A32C17E}" type="datetimeFigureOut">
               <a:rPr lang="zh-CN" altLang="en-US" smtClean="0"/>
               <a:t>2024/3/10</a:t>
             </a:fld>
@@ -265,7 +265,7 @@
           <p:cNvPr id="5" name="页脚占位符 4">
             <a:extLst>
               <a:ext uri="{FF2B5EF4-FFF2-40B4-BE49-F238E27FC236}">
-                <a16:creationId xmlns:a16="http://schemas.microsoft.com/office/drawing/2014/main" id="{47C1A568-9B68-65A6-E20C-169D5566D2C3}"/>
+                <a16:creationId xmlns:a16="http://schemas.microsoft.com/office/drawing/2014/main" id="{0DB7391B-19B3-09C3-40A4-DBFDE6371731}"/>
               </a:ext>
             </a:extLst>
           </p:cNvPr>
@@ -290,7 +290,7 @@
           <p:cNvPr id="6" name="灯片编号占位符 5">
             <a:extLst>
               <a:ext uri="{FF2B5EF4-FFF2-40B4-BE49-F238E27FC236}">
-                <a16:creationId xmlns:a16="http://schemas.microsoft.com/office/drawing/2014/main" id="{997B38E9-FD25-4900-3F89-05BCD791E2A9}"/>
+                <a16:creationId xmlns:a16="http://schemas.microsoft.com/office/drawing/2014/main" id="{16BFEAA2-6537-6401-4A35-B9266C4045EA}"/>
               </a:ext>
             </a:extLst>
           </p:cNvPr>
@@ -306,7 +306,7 @@
           <a:bodyPr/>
           <a:lstStyle/>
           <a:p>
-            <a:fld id="{A73A860D-C7D3-42CB-9E12-4E81D68D883B}" type="slidenum">
+            <a:fld id="{FCCBA1DB-5895-4C7C-BC00-F901C855B094}" type="slidenum">
               <a:rPr lang="zh-CN" altLang="en-US" smtClean="0"/>
               <a:t>‹#›</a:t>
             </a:fld>
@@ -317,7 +317,7 @@
     </p:spTree>
     <p:extLst>
       <p:ext uri="{BB962C8B-B14F-4D97-AF65-F5344CB8AC3E}">
-        <p14:creationId xmlns:p14="http://schemas.microsoft.com/office/powerpoint/2010/main" val="740769014"/>
+        <p14:creationId xmlns:p14="http://schemas.microsoft.com/office/powerpoint/2010/main" val="3639032218"/>
       </p:ext>
     </p:extLst>
   </p:cSld>
@@ -349,7 +349,7 @@
           <p:cNvPr id="2" name="标题 1">
             <a:extLst>
               <a:ext uri="{FF2B5EF4-FFF2-40B4-BE49-F238E27FC236}">
-                <a16:creationId xmlns:a16="http://schemas.microsoft.com/office/drawing/2014/main" id="{296FC38B-7455-B174-06DB-FEA419F8E6D5}"/>
+                <a16:creationId xmlns:a16="http://schemas.microsoft.com/office/drawing/2014/main" id="{77411F4D-FE6E-4329-4DDA-6B5519F0A82B}"/>
               </a:ext>
             </a:extLst>
           </p:cNvPr>
@@ -377,7 +377,7 @@
           <p:cNvPr id="3" name="竖排文字占位符 2">
             <a:extLst>
               <a:ext uri="{FF2B5EF4-FFF2-40B4-BE49-F238E27FC236}">
-                <a16:creationId xmlns:a16="http://schemas.microsoft.com/office/drawing/2014/main" id="{23CCD6EA-3F66-9FA9-0AB2-0EB33CD373F3}"/>
+                <a16:creationId xmlns:a16="http://schemas.microsoft.com/office/drawing/2014/main" id="{44AED681-2B62-4097-7E67-EE1E0CE72D31}"/>
               </a:ext>
             </a:extLst>
           </p:cNvPr>
@@ -434,7 +434,7 @@
           <p:cNvPr id="4" name="日期占位符 3">
             <a:extLst>
               <a:ext uri="{FF2B5EF4-FFF2-40B4-BE49-F238E27FC236}">
-                <a16:creationId xmlns:a16="http://schemas.microsoft.com/office/drawing/2014/main" id="{E82FE5BE-E800-159C-D73C-FF57145A86EB}"/>
+                <a16:creationId xmlns:a16="http://schemas.microsoft.com/office/drawing/2014/main" id="{A37C1074-8E04-9B9A-F641-D19BA3BF06F4}"/>
               </a:ext>
             </a:extLst>
           </p:cNvPr>
@@ -450,7 +450,7 @@
           <a:bodyPr/>
           <a:lstStyle/>
           <a:p>
-            <a:fld id="{C777B3F1-DD18-4C3A-A7EF-9E0667E34470}" type="datetimeFigureOut">
+            <a:fld id="{E65283FF-AA1B-4751-B77A-CCBE6A32C17E}" type="datetimeFigureOut">
               <a:rPr lang="zh-CN" altLang="en-US" smtClean="0"/>
               <a:t>2024/3/10</a:t>
             </a:fld>
@@ -463,7 +463,7 @@
           <p:cNvPr id="5" name="页脚占位符 4">
             <a:extLst>
               <a:ext uri="{FF2B5EF4-FFF2-40B4-BE49-F238E27FC236}">
-                <a16:creationId xmlns:a16="http://schemas.microsoft.com/office/drawing/2014/main" id="{FF83F6C1-A123-10A3-319A-21769B516096}"/>
+                <a16:creationId xmlns:a16="http://schemas.microsoft.com/office/drawing/2014/main" id="{D535FDE2-F828-F2FA-4B13-865E4AC499A5}"/>
               </a:ext>
             </a:extLst>
           </p:cNvPr>
@@ -488,7 +488,7 @@
           <p:cNvPr id="6" name="灯片编号占位符 5">
             <a:extLst>
               <a:ext uri="{FF2B5EF4-FFF2-40B4-BE49-F238E27FC236}">
-                <a16:creationId xmlns:a16="http://schemas.microsoft.com/office/drawing/2014/main" id="{381BF233-7F39-A3D2-2651-E02C89175361}"/>
+                <a16:creationId xmlns:a16="http://schemas.microsoft.com/office/drawing/2014/main" id="{9DF262C0-BC8D-B13C-0F4F-0EA9DB17F8ED}"/>
               </a:ext>
             </a:extLst>
           </p:cNvPr>
@@ -504,7 +504,7 @@
           <a:bodyPr/>
           <a:lstStyle/>
           <a:p>
-            <a:fld id="{A73A860D-C7D3-42CB-9E12-4E81D68D883B}" type="slidenum">
+            <a:fld id="{FCCBA1DB-5895-4C7C-BC00-F901C855B094}" type="slidenum">
               <a:rPr lang="zh-CN" altLang="en-US" smtClean="0"/>
               <a:t>‹#›</a:t>
             </a:fld>
@@ -515,7 +515,7 @@
     </p:spTree>
     <p:extLst>
       <p:ext uri="{BB962C8B-B14F-4D97-AF65-F5344CB8AC3E}">
-        <p14:creationId xmlns:p14="http://schemas.microsoft.com/office/powerpoint/2010/main" val="717893953"/>
+        <p14:creationId xmlns:p14="http://schemas.microsoft.com/office/powerpoint/2010/main" val="564275510"/>
       </p:ext>
     </p:extLst>
   </p:cSld>
@@ -547,7 +547,7 @@
           <p:cNvPr id="2" name="竖排标题 1">
             <a:extLst>
               <a:ext uri="{FF2B5EF4-FFF2-40B4-BE49-F238E27FC236}">
-                <a16:creationId xmlns:a16="http://schemas.microsoft.com/office/drawing/2014/main" id="{69C61C1C-40ED-000E-E281-173CDA810FEA}"/>
+                <a16:creationId xmlns:a16="http://schemas.microsoft.com/office/drawing/2014/main" id="{1669A8BD-CC10-3224-563A-2B2C0B07C67C}"/>
               </a:ext>
             </a:extLst>
           </p:cNvPr>
@@ -580,7 +580,7 @@
           <p:cNvPr id="3" name="竖排文字占位符 2">
             <a:extLst>
               <a:ext uri="{FF2B5EF4-FFF2-40B4-BE49-F238E27FC236}">
-                <a16:creationId xmlns:a16="http://schemas.microsoft.com/office/drawing/2014/main" id="{68416C52-FB32-EEBF-AC95-EAA8F8CF254E}"/>
+                <a16:creationId xmlns:a16="http://schemas.microsoft.com/office/drawing/2014/main" id="{1DB9CCB1-2F21-916C-F7E8-20FA50E17AF8}"/>
               </a:ext>
             </a:extLst>
           </p:cNvPr>
@@ -642,7 +642,7 @@
           <p:cNvPr id="4" name="日期占位符 3">
             <a:extLst>
               <a:ext uri="{FF2B5EF4-FFF2-40B4-BE49-F238E27FC236}">
-                <a16:creationId xmlns:a16="http://schemas.microsoft.com/office/drawing/2014/main" id="{28D6E424-B645-01DE-42F7-A6BF599F6B11}"/>
+                <a16:creationId xmlns:a16="http://schemas.microsoft.com/office/drawing/2014/main" id="{CE412644-6C47-6640-AC50-FD471263DAA2}"/>
               </a:ext>
             </a:extLst>
           </p:cNvPr>
@@ -658,7 +658,7 @@
           <a:bodyPr/>
           <a:lstStyle/>
           <a:p>
-            <a:fld id="{C777B3F1-DD18-4C3A-A7EF-9E0667E34470}" type="datetimeFigureOut">
+            <a:fld id="{E65283FF-AA1B-4751-B77A-CCBE6A32C17E}" type="datetimeFigureOut">
               <a:rPr lang="zh-CN" altLang="en-US" smtClean="0"/>
               <a:t>2024/3/10</a:t>
             </a:fld>
@@ -671,7 +671,7 @@
           <p:cNvPr id="5" name="页脚占位符 4">
             <a:extLst>
               <a:ext uri="{FF2B5EF4-FFF2-40B4-BE49-F238E27FC236}">
-                <a16:creationId xmlns:a16="http://schemas.microsoft.com/office/drawing/2014/main" id="{488F311E-5C7F-4C02-8E5D-D7DA84ACEBB2}"/>
+                <a16:creationId xmlns:a16="http://schemas.microsoft.com/office/drawing/2014/main" id="{98B6F783-CC26-3B45-88C5-920CD3AFD41E}"/>
               </a:ext>
             </a:extLst>
           </p:cNvPr>
@@ -696,7 +696,7 @@
           <p:cNvPr id="6" name="灯片编号占位符 5">
             <a:extLst>
               <a:ext uri="{FF2B5EF4-FFF2-40B4-BE49-F238E27FC236}">
-                <a16:creationId xmlns:a16="http://schemas.microsoft.com/office/drawing/2014/main" id="{60F5ED5D-9DF3-CE11-6383-7B7F3A4F44A0}"/>
+                <a16:creationId xmlns:a16="http://schemas.microsoft.com/office/drawing/2014/main" id="{6B12F723-16DC-EDDE-15DE-1ED208E93BE4}"/>
               </a:ext>
             </a:extLst>
           </p:cNvPr>
@@ -712,7 +712,7 @@
           <a:bodyPr/>
           <a:lstStyle/>
           <a:p>
-            <a:fld id="{A73A860D-C7D3-42CB-9E12-4E81D68D883B}" type="slidenum">
+            <a:fld id="{FCCBA1DB-5895-4C7C-BC00-F901C855B094}" type="slidenum">
               <a:rPr lang="zh-CN" altLang="en-US" smtClean="0"/>
               <a:t>‹#›</a:t>
             </a:fld>
@@ -723,7 +723,7 @@
     </p:spTree>
     <p:extLst>
       <p:ext uri="{BB962C8B-B14F-4D97-AF65-F5344CB8AC3E}">
-        <p14:creationId xmlns:p14="http://schemas.microsoft.com/office/powerpoint/2010/main" val="2701160419"/>
+        <p14:creationId xmlns:p14="http://schemas.microsoft.com/office/powerpoint/2010/main" val="875798062"/>
       </p:ext>
     </p:extLst>
   </p:cSld>
@@ -755,7 +755,7 @@
           <p:cNvPr id="2" name="标题 1">
             <a:extLst>
               <a:ext uri="{FF2B5EF4-FFF2-40B4-BE49-F238E27FC236}">
-                <a16:creationId xmlns:a16="http://schemas.microsoft.com/office/drawing/2014/main" id="{1FAF3C6A-58FD-5800-4EB2-E9952CB29B8A}"/>
+                <a16:creationId xmlns:a16="http://schemas.microsoft.com/office/drawing/2014/main" id="{9B4B0784-5063-C9AC-177A-D4F87D098FF7}"/>
               </a:ext>
             </a:extLst>
           </p:cNvPr>
@@ -783,7 +783,7 @@
           <p:cNvPr id="3" name="内容占位符 2">
             <a:extLst>
               <a:ext uri="{FF2B5EF4-FFF2-40B4-BE49-F238E27FC236}">
-                <a16:creationId xmlns:a16="http://schemas.microsoft.com/office/drawing/2014/main" id="{57DAF71A-B94E-0788-EDF0-DDEC920E3F46}"/>
+                <a16:creationId xmlns:a16="http://schemas.microsoft.com/office/drawing/2014/main" id="{0AD3C225-0150-2878-AAFB-FF6C3B04FA1D}"/>
               </a:ext>
             </a:extLst>
           </p:cNvPr>
@@ -840,7 +840,7 @@
           <p:cNvPr id="4" name="日期占位符 3">
             <a:extLst>
               <a:ext uri="{FF2B5EF4-FFF2-40B4-BE49-F238E27FC236}">
-                <a16:creationId xmlns:a16="http://schemas.microsoft.com/office/drawing/2014/main" id="{CD7D4714-9D51-37E7-72AA-F479441F2FBE}"/>
+                <a16:creationId xmlns:a16="http://schemas.microsoft.com/office/drawing/2014/main" id="{37DADC60-BDA6-EFB4-431E-4F4BA58FD7E5}"/>
               </a:ext>
             </a:extLst>
           </p:cNvPr>
@@ -856,7 +856,7 @@
           <a:bodyPr/>
           <a:lstStyle/>
           <a:p>
-            <a:fld id="{C777B3F1-DD18-4C3A-A7EF-9E0667E34470}" type="datetimeFigureOut">
+            <a:fld id="{E65283FF-AA1B-4751-B77A-CCBE6A32C17E}" type="datetimeFigureOut">
               <a:rPr lang="zh-CN" altLang="en-US" smtClean="0"/>
               <a:t>2024/3/10</a:t>
             </a:fld>
@@ -869,7 +869,7 @@
           <p:cNvPr id="5" name="页脚占位符 4">
             <a:extLst>
               <a:ext uri="{FF2B5EF4-FFF2-40B4-BE49-F238E27FC236}">
-                <a16:creationId xmlns:a16="http://schemas.microsoft.com/office/drawing/2014/main" id="{C6CE1245-C088-BA3F-B3EC-15836771D299}"/>
+                <a16:creationId xmlns:a16="http://schemas.microsoft.com/office/drawing/2014/main" id="{D873C14D-2DC2-847E-D967-C762F792A24A}"/>
               </a:ext>
             </a:extLst>
           </p:cNvPr>
@@ -894,7 +894,7 @@
           <p:cNvPr id="6" name="灯片编号占位符 5">
             <a:extLst>
               <a:ext uri="{FF2B5EF4-FFF2-40B4-BE49-F238E27FC236}">
-                <a16:creationId xmlns:a16="http://schemas.microsoft.com/office/drawing/2014/main" id="{EE4CD29D-3494-55C1-AF6F-B60F0D8C10BB}"/>
+                <a16:creationId xmlns:a16="http://schemas.microsoft.com/office/drawing/2014/main" id="{8867D3A3-31FD-C688-D27E-78785C625444}"/>
               </a:ext>
             </a:extLst>
           </p:cNvPr>
@@ -910,7 +910,7 @@
           <a:bodyPr/>
           <a:lstStyle/>
           <a:p>
-            <a:fld id="{A73A860D-C7D3-42CB-9E12-4E81D68D883B}" type="slidenum">
+            <a:fld id="{FCCBA1DB-5895-4C7C-BC00-F901C855B094}" type="slidenum">
               <a:rPr lang="zh-CN" altLang="en-US" smtClean="0"/>
               <a:t>‹#›</a:t>
             </a:fld>
@@ -921,7 +921,7 @@
     </p:spTree>
     <p:extLst>
       <p:ext uri="{BB962C8B-B14F-4D97-AF65-F5344CB8AC3E}">
-        <p14:creationId xmlns:p14="http://schemas.microsoft.com/office/powerpoint/2010/main" val="824430458"/>
+        <p14:creationId xmlns:p14="http://schemas.microsoft.com/office/powerpoint/2010/main" val="1786525260"/>
       </p:ext>
     </p:extLst>
   </p:cSld>
@@ -953,7 +953,7 @@
           <p:cNvPr id="2" name="标题 1">
             <a:extLst>
               <a:ext uri="{FF2B5EF4-FFF2-40B4-BE49-F238E27FC236}">
-                <a16:creationId xmlns:a16="http://schemas.microsoft.com/office/drawing/2014/main" id="{5573CAB5-7230-D99F-31DA-4793D4EBAFCD}"/>
+                <a16:creationId xmlns:a16="http://schemas.microsoft.com/office/drawing/2014/main" id="{BEA32656-EE7C-8BA7-1699-CAEE4EE3F3FB}"/>
               </a:ext>
             </a:extLst>
           </p:cNvPr>
@@ -990,7 +990,7 @@
           <p:cNvPr id="3" name="文本占位符 2">
             <a:extLst>
               <a:ext uri="{FF2B5EF4-FFF2-40B4-BE49-F238E27FC236}">
-                <a16:creationId xmlns:a16="http://schemas.microsoft.com/office/drawing/2014/main" id="{6A3A75C7-78CC-AF5F-361A-ABBCC4242F8F}"/>
+                <a16:creationId xmlns:a16="http://schemas.microsoft.com/office/drawing/2014/main" id="{163494A1-FAA9-36A7-E9DC-68FD15D4F1E8}"/>
               </a:ext>
             </a:extLst>
           </p:cNvPr>
@@ -1115,7 +1115,7 @@
           <p:cNvPr id="4" name="日期占位符 3">
             <a:extLst>
               <a:ext uri="{FF2B5EF4-FFF2-40B4-BE49-F238E27FC236}">
-                <a16:creationId xmlns:a16="http://schemas.microsoft.com/office/drawing/2014/main" id="{FEBFD7D7-9B7B-D1B0-4D0C-B1203DEC51B8}"/>
+                <a16:creationId xmlns:a16="http://schemas.microsoft.com/office/drawing/2014/main" id="{EDBD58D1-CF43-4645-F695-8ED475340B64}"/>
               </a:ext>
             </a:extLst>
           </p:cNvPr>
@@ -1131,7 +1131,7 @@
           <a:bodyPr/>
           <a:lstStyle/>
           <a:p>
-            <a:fld id="{C777B3F1-DD18-4C3A-A7EF-9E0667E34470}" type="datetimeFigureOut">
+            <a:fld id="{E65283FF-AA1B-4751-B77A-CCBE6A32C17E}" type="datetimeFigureOut">
               <a:rPr lang="zh-CN" altLang="en-US" smtClean="0"/>
               <a:t>2024/3/10</a:t>
             </a:fld>
@@ -1144,7 +1144,7 @@
           <p:cNvPr id="5" name="页脚占位符 4">
             <a:extLst>
               <a:ext uri="{FF2B5EF4-FFF2-40B4-BE49-F238E27FC236}">
-                <a16:creationId xmlns:a16="http://schemas.microsoft.com/office/drawing/2014/main" id="{38D4A3CA-372D-1DAF-05E3-79D849355784}"/>
+                <a16:creationId xmlns:a16="http://schemas.microsoft.com/office/drawing/2014/main" id="{31D622A7-4FDA-9DC5-5B1B-36664B0A94AA}"/>
               </a:ext>
             </a:extLst>
           </p:cNvPr>
@@ -1169,7 +1169,7 @@
           <p:cNvPr id="6" name="灯片编号占位符 5">
             <a:extLst>
               <a:ext uri="{FF2B5EF4-FFF2-40B4-BE49-F238E27FC236}">
-                <a16:creationId xmlns:a16="http://schemas.microsoft.com/office/drawing/2014/main" id="{BC9F46B1-3711-A7B8-F4BC-FE8591A2AD9B}"/>
+                <a16:creationId xmlns:a16="http://schemas.microsoft.com/office/drawing/2014/main" id="{77E49FD5-742A-B45B-929B-302A78BAADBD}"/>
               </a:ext>
             </a:extLst>
           </p:cNvPr>
@@ -1185,7 +1185,7 @@
           <a:bodyPr/>
           <a:lstStyle/>
           <a:p>
-            <a:fld id="{A73A860D-C7D3-42CB-9E12-4E81D68D883B}" type="slidenum">
+            <a:fld id="{FCCBA1DB-5895-4C7C-BC00-F901C855B094}" type="slidenum">
               <a:rPr lang="zh-CN" altLang="en-US" smtClean="0"/>
               <a:t>‹#›</a:t>
             </a:fld>
@@ -1196,7 +1196,7 @@
     </p:spTree>
     <p:extLst>
       <p:ext uri="{BB962C8B-B14F-4D97-AF65-F5344CB8AC3E}">
-        <p14:creationId xmlns:p14="http://schemas.microsoft.com/office/powerpoint/2010/main" val="3609218687"/>
+        <p14:creationId xmlns:p14="http://schemas.microsoft.com/office/powerpoint/2010/main" val="1580558527"/>
       </p:ext>
     </p:extLst>
   </p:cSld>
@@ -1228,7 +1228,7 @@
           <p:cNvPr id="2" name="标题 1">
             <a:extLst>
               <a:ext uri="{FF2B5EF4-FFF2-40B4-BE49-F238E27FC236}">
-                <a16:creationId xmlns:a16="http://schemas.microsoft.com/office/drawing/2014/main" id="{9C23A58A-66DE-F1C2-30E2-D2F12C992B42}"/>
+                <a16:creationId xmlns:a16="http://schemas.microsoft.com/office/drawing/2014/main" id="{BD051AD8-A248-8283-5907-47F72F3CDAB6}"/>
               </a:ext>
             </a:extLst>
           </p:cNvPr>
@@ -1256,7 +1256,7 @@
           <p:cNvPr id="3" name="内容占位符 2">
             <a:extLst>
               <a:ext uri="{FF2B5EF4-FFF2-40B4-BE49-F238E27FC236}">
-                <a16:creationId xmlns:a16="http://schemas.microsoft.com/office/drawing/2014/main" id="{FE35C2A7-532E-3A12-200E-18B722DD17F9}"/>
+                <a16:creationId xmlns:a16="http://schemas.microsoft.com/office/drawing/2014/main" id="{74C87E3B-7312-C743-9AFC-69C953BFCE79}"/>
               </a:ext>
             </a:extLst>
           </p:cNvPr>
@@ -1318,7 +1318,7 @@
           <p:cNvPr id="4" name="内容占位符 3">
             <a:extLst>
               <a:ext uri="{FF2B5EF4-FFF2-40B4-BE49-F238E27FC236}">
-                <a16:creationId xmlns:a16="http://schemas.microsoft.com/office/drawing/2014/main" id="{3E7AC4CE-97A2-DFAA-994C-46BBE9EB7FE4}"/>
+                <a16:creationId xmlns:a16="http://schemas.microsoft.com/office/drawing/2014/main" id="{85BF35E8-E076-FCA8-AC0F-E9D51C961C92}"/>
               </a:ext>
             </a:extLst>
           </p:cNvPr>
@@ -1380,7 +1380,7 @@
           <p:cNvPr id="5" name="日期占位符 4">
             <a:extLst>
               <a:ext uri="{FF2B5EF4-FFF2-40B4-BE49-F238E27FC236}">
-                <a16:creationId xmlns:a16="http://schemas.microsoft.com/office/drawing/2014/main" id="{7CBBBA3E-C92E-607C-A4EF-FBB49138F3DA}"/>
+                <a16:creationId xmlns:a16="http://schemas.microsoft.com/office/drawing/2014/main" id="{9DC505E6-7286-E33B-622F-8D8517001730}"/>
               </a:ext>
             </a:extLst>
           </p:cNvPr>
@@ -1396,7 +1396,7 @@
           <a:bodyPr/>
           <a:lstStyle/>
           <a:p>
-            <a:fld id="{C777B3F1-DD18-4C3A-A7EF-9E0667E34470}" type="datetimeFigureOut">
+            <a:fld id="{E65283FF-AA1B-4751-B77A-CCBE6A32C17E}" type="datetimeFigureOut">
               <a:rPr lang="zh-CN" altLang="en-US" smtClean="0"/>
               <a:t>2024/3/10</a:t>
             </a:fld>
@@ -1409,7 +1409,7 @@
           <p:cNvPr id="6" name="页脚占位符 5">
             <a:extLst>
               <a:ext uri="{FF2B5EF4-FFF2-40B4-BE49-F238E27FC236}">
-                <a16:creationId xmlns:a16="http://schemas.microsoft.com/office/drawing/2014/main" id="{43BB49C4-0533-8781-C1F6-3FEECEE8E807}"/>
+                <a16:creationId xmlns:a16="http://schemas.microsoft.com/office/drawing/2014/main" id="{4941475A-7182-79FA-89E5-3BAE09B19B8D}"/>
               </a:ext>
             </a:extLst>
           </p:cNvPr>
@@ -1434,7 +1434,7 @@
           <p:cNvPr id="7" name="灯片编号占位符 6">
             <a:extLst>
               <a:ext uri="{FF2B5EF4-FFF2-40B4-BE49-F238E27FC236}">
-                <a16:creationId xmlns:a16="http://schemas.microsoft.com/office/drawing/2014/main" id="{8990FA06-4285-D97C-CA91-BA96B3DDD9C9}"/>
+                <a16:creationId xmlns:a16="http://schemas.microsoft.com/office/drawing/2014/main" id="{0DBFCD36-0E80-65C5-CD64-A13426078D01}"/>
               </a:ext>
             </a:extLst>
           </p:cNvPr>
@@ -1450,7 +1450,7 @@
           <a:bodyPr/>
           <a:lstStyle/>
           <a:p>
-            <a:fld id="{A73A860D-C7D3-42CB-9E12-4E81D68D883B}" type="slidenum">
+            <a:fld id="{FCCBA1DB-5895-4C7C-BC00-F901C855B094}" type="slidenum">
               <a:rPr lang="zh-CN" altLang="en-US" smtClean="0"/>
               <a:t>‹#›</a:t>
             </a:fld>
@@ -1461,7 +1461,7 @@
     </p:spTree>
     <p:extLst>
       <p:ext uri="{BB962C8B-B14F-4D97-AF65-F5344CB8AC3E}">
-        <p14:creationId xmlns:p14="http://schemas.microsoft.com/office/powerpoint/2010/main" val="1196542325"/>
+        <p14:creationId xmlns:p14="http://schemas.microsoft.com/office/powerpoint/2010/main" val="1467561400"/>
       </p:ext>
     </p:extLst>
   </p:cSld>
@@ -1493,7 +1493,7 @@
           <p:cNvPr id="2" name="标题 1">
             <a:extLst>
               <a:ext uri="{FF2B5EF4-FFF2-40B4-BE49-F238E27FC236}">
-                <a16:creationId xmlns:a16="http://schemas.microsoft.com/office/drawing/2014/main" id="{4E83A98E-D315-2B41-D461-01E287D1EAC9}"/>
+                <a16:creationId xmlns:a16="http://schemas.microsoft.com/office/drawing/2014/main" id="{42ADD623-08B2-6A23-B8A8-9E55CF55D641}"/>
               </a:ext>
             </a:extLst>
           </p:cNvPr>
@@ -1526,7 +1526,7 @@
           <p:cNvPr id="3" name="文本占位符 2">
             <a:extLst>
               <a:ext uri="{FF2B5EF4-FFF2-40B4-BE49-F238E27FC236}">
-                <a16:creationId xmlns:a16="http://schemas.microsoft.com/office/drawing/2014/main" id="{894B22E8-6DE3-6E5D-BE0F-19B8C34CD391}"/>
+                <a16:creationId xmlns:a16="http://schemas.microsoft.com/office/drawing/2014/main" id="{06E508BF-D7AA-3CB1-6657-78A6C32F22F4}"/>
               </a:ext>
             </a:extLst>
           </p:cNvPr>
@@ -1597,7 +1597,7 @@
           <p:cNvPr id="4" name="内容占位符 3">
             <a:extLst>
               <a:ext uri="{FF2B5EF4-FFF2-40B4-BE49-F238E27FC236}">
-                <a16:creationId xmlns:a16="http://schemas.microsoft.com/office/drawing/2014/main" id="{ACF2FE18-3ABF-56EA-6F89-8D53DB62852B}"/>
+                <a16:creationId xmlns:a16="http://schemas.microsoft.com/office/drawing/2014/main" id="{75CBA945-9757-2EAF-D8ED-6A7C7428908A}"/>
               </a:ext>
             </a:extLst>
           </p:cNvPr>
@@ -1659,7 +1659,7 @@
           <p:cNvPr id="5" name="文本占位符 4">
             <a:extLst>
               <a:ext uri="{FF2B5EF4-FFF2-40B4-BE49-F238E27FC236}">
-                <a16:creationId xmlns:a16="http://schemas.microsoft.com/office/drawing/2014/main" id="{4F9A48D9-E9FC-D608-92A9-8D14862DCC32}"/>
+                <a16:creationId xmlns:a16="http://schemas.microsoft.com/office/drawing/2014/main" id="{E61EDFC3-13CB-D512-F568-12AEB9DCC1CB}"/>
               </a:ext>
             </a:extLst>
           </p:cNvPr>
@@ -1730,7 +1730,7 @@
           <p:cNvPr id="6" name="内容占位符 5">
             <a:extLst>
               <a:ext uri="{FF2B5EF4-FFF2-40B4-BE49-F238E27FC236}">
-                <a16:creationId xmlns:a16="http://schemas.microsoft.com/office/drawing/2014/main" id="{3F3BA5C3-4F90-681A-8039-7771559D1CB4}"/>
+                <a16:creationId xmlns:a16="http://schemas.microsoft.com/office/drawing/2014/main" id="{B89FEB27-F6BE-C5FD-014B-9317DA165C52}"/>
               </a:ext>
             </a:extLst>
           </p:cNvPr>
@@ -1792,7 +1792,7 @@
           <p:cNvPr id="7" name="日期占位符 6">
             <a:extLst>
               <a:ext uri="{FF2B5EF4-FFF2-40B4-BE49-F238E27FC236}">
-                <a16:creationId xmlns:a16="http://schemas.microsoft.com/office/drawing/2014/main" id="{1C8BD278-B168-4AFA-CE65-CFA081F22E56}"/>
+                <a16:creationId xmlns:a16="http://schemas.microsoft.com/office/drawing/2014/main" id="{AFEF649B-E9A2-B472-1B63-C524FD4D7B1F}"/>
               </a:ext>
             </a:extLst>
           </p:cNvPr>
@@ -1808,7 +1808,7 @@
           <a:bodyPr/>
           <a:lstStyle/>
           <a:p>
-            <a:fld id="{C777B3F1-DD18-4C3A-A7EF-9E0667E34470}" type="datetimeFigureOut">
+            <a:fld id="{E65283FF-AA1B-4751-B77A-CCBE6A32C17E}" type="datetimeFigureOut">
               <a:rPr lang="zh-CN" altLang="en-US" smtClean="0"/>
               <a:t>2024/3/10</a:t>
             </a:fld>
@@ -1821,7 +1821,7 @@
           <p:cNvPr id="8" name="页脚占位符 7">
             <a:extLst>
               <a:ext uri="{FF2B5EF4-FFF2-40B4-BE49-F238E27FC236}">
-                <a16:creationId xmlns:a16="http://schemas.microsoft.com/office/drawing/2014/main" id="{06DF5092-89E0-F942-41C7-66E646E11BFF}"/>
+                <a16:creationId xmlns:a16="http://schemas.microsoft.com/office/drawing/2014/main" id="{FE4CF660-D005-8043-3D88-C11720072F4B}"/>
               </a:ext>
             </a:extLst>
           </p:cNvPr>
@@ -1846,7 +1846,7 @@
           <p:cNvPr id="9" name="灯片编号占位符 8">
             <a:extLst>
               <a:ext uri="{FF2B5EF4-FFF2-40B4-BE49-F238E27FC236}">
-                <a16:creationId xmlns:a16="http://schemas.microsoft.com/office/drawing/2014/main" id="{CACBF623-0864-4806-D0C0-DF0B65B0FB06}"/>
+                <a16:creationId xmlns:a16="http://schemas.microsoft.com/office/drawing/2014/main" id="{13AC69BE-85D0-E39E-06E1-1CD43768F66F}"/>
               </a:ext>
             </a:extLst>
           </p:cNvPr>
@@ -1862,7 +1862,7 @@
           <a:bodyPr/>
           <a:lstStyle/>
           <a:p>
-            <a:fld id="{A73A860D-C7D3-42CB-9E12-4E81D68D883B}" type="slidenum">
+            <a:fld id="{FCCBA1DB-5895-4C7C-BC00-F901C855B094}" type="slidenum">
               <a:rPr lang="zh-CN" altLang="en-US" smtClean="0"/>
               <a:t>‹#›</a:t>
             </a:fld>
@@ -1873,7 +1873,7 @@
     </p:spTree>
     <p:extLst>
       <p:ext uri="{BB962C8B-B14F-4D97-AF65-F5344CB8AC3E}">
-        <p14:creationId xmlns:p14="http://schemas.microsoft.com/office/powerpoint/2010/main" val="376699314"/>
+        <p14:creationId xmlns:p14="http://schemas.microsoft.com/office/powerpoint/2010/main" val="1480706703"/>
       </p:ext>
     </p:extLst>
   </p:cSld>
@@ -1905,7 +1905,7 @@
           <p:cNvPr id="2" name="标题 1">
             <a:extLst>
               <a:ext uri="{FF2B5EF4-FFF2-40B4-BE49-F238E27FC236}">
-                <a16:creationId xmlns:a16="http://schemas.microsoft.com/office/drawing/2014/main" id="{FE3E7E99-7AA9-806B-7066-6BEE753EBF88}"/>
+                <a16:creationId xmlns:a16="http://schemas.microsoft.com/office/drawing/2014/main" id="{0029EEC7-41F5-D170-97DF-7CD80C7C23B7}"/>
               </a:ext>
             </a:extLst>
           </p:cNvPr>
@@ -1933,7 +1933,7 @@
           <p:cNvPr id="3" name="日期占位符 2">
             <a:extLst>
               <a:ext uri="{FF2B5EF4-FFF2-40B4-BE49-F238E27FC236}">
-                <a16:creationId xmlns:a16="http://schemas.microsoft.com/office/drawing/2014/main" id="{FF4D0BAB-3DCD-E8DD-35B5-0EE56AB53714}"/>
+                <a16:creationId xmlns:a16="http://schemas.microsoft.com/office/drawing/2014/main" id="{D3250555-E57F-9C84-5FF5-0DC15E0296BD}"/>
               </a:ext>
             </a:extLst>
           </p:cNvPr>
@@ -1949,7 +1949,7 @@
           <a:bodyPr/>
           <a:lstStyle/>
           <a:p>
-            <a:fld id="{C777B3F1-DD18-4C3A-A7EF-9E0667E34470}" type="datetimeFigureOut">
+            <a:fld id="{E65283FF-AA1B-4751-B77A-CCBE6A32C17E}" type="datetimeFigureOut">
               <a:rPr lang="zh-CN" altLang="en-US" smtClean="0"/>
               <a:t>2024/3/10</a:t>
             </a:fld>
@@ -1962,7 +1962,7 @@
           <p:cNvPr id="4" name="页脚占位符 3">
             <a:extLst>
               <a:ext uri="{FF2B5EF4-FFF2-40B4-BE49-F238E27FC236}">
-                <a16:creationId xmlns:a16="http://schemas.microsoft.com/office/drawing/2014/main" id="{726978AC-DFF4-7830-CD78-12F9C96657B7}"/>
+                <a16:creationId xmlns:a16="http://schemas.microsoft.com/office/drawing/2014/main" id="{5EAF5D48-02A9-0DE4-8527-80DBDFC88A14}"/>
               </a:ext>
             </a:extLst>
           </p:cNvPr>
@@ -1987,7 +1987,7 @@
           <p:cNvPr id="5" name="灯片编号占位符 4">
             <a:extLst>
               <a:ext uri="{FF2B5EF4-FFF2-40B4-BE49-F238E27FC236}">
-                <a16:creationId xmlns:a16="http://schemas.microsoft.com/office/drawing/2014/main" id="{F6FD832E-F7C6-BFD8-B22A-364653864908}"/>
+                <a16:creationId xmlns:a16="http://schemas.microsoft.com/office/drawing/2014/main" id="{269E20E9-5063-809C-EB0B-0B255FC1D279}"/>
               </a:ext>
             </a:extLst>
           </p:cNvPr>
@@ -2003,7 +2003,7 @@
           <a:bodyPr/>
           <a:lstStyle/>
           <a:p>
-            <a:fld id="{A73A860D-C7D3-42CB-9E12-4E81D68D883B}" type="slidenum">
+            <a:fld id="{FCCBA1DB-5895-4C7C-BC00-F901C855B094}" type="slidenum">
               <a:rPr lang="zh-CN" altLang="en-US" smtClean="0"/>
               <a:t>‹#›</a:t>
             </a:fld>
@@ -2014,7 +2014,7 @@
     </p:spTree>
     <p:extLst>
       <p:ext uri="{BB962C8B-B14F-4D97-AF65-F5344CB8AC3E}">
-        <p14:creationId xmlns:p14="http://schemas.microsoft.com/office/powerpoint/2010/main" val="2882881316"/>
+        <p14:creationId xmlns:p14="http://schemas.microsoft.com/office/powerpoint/2010/main" val="3700954572"/>
       </p:ext>
     </p:extLst>
   </p:cSld>
@@ -2046,7 +2046,7 @@
           <p:cNvPr id="2" name="日期占位符 1">
             <a:extLst>
               <a:ext uri="{FF2B5EF4-FFF2-40B4-BE49-F238E27FC236}">
-                <a16:creationId xmlns:a16="http://schemas.microsoft.com/office/drawing/2014/main" id="{F28CC86E-A6DF-540D-E929-F1A6D199937F}"/>
+                <a16:creationId xmlns:a16="http://schemas.microsoft.com/office/drawing/2014/main" id="{C2600E13-3CC7-E1C5-B559-46FA5ED3FF74}"/>
               </a:ext>
             </a:extLst>
           </p:cNvPr>
@@ -2062,7 +2062,7 @@
           <a:bodyPr/>
           <a:lstStyle/>
           <a:p>
-            <a:fld id="{C777B3F1-DD18-4C3A-A7EF-9E0667E34470}" type="datetimeFigureOut">
+            <a:fld id="{E65283FF-AA1B-4751-B77A-CCBE6A32C17E}" type="datetimeFigureOut">
               <a:rPr lang="zh-CN" altLang="en-US" smtClean="0"/>
               <a:t>2024/3/10</a:t>
             </a:fld>
@@ -2075,7 +2075,7 @@
           <p:cNvPr id="3" name="页脚占位符 2">
             <a:extLst>
               <a:ext uri="{FF2B5EF4-FFF2-40B4-BE49-F238E27FC236}">
-                <a16:creationId xmlns:a16="http://schemas.microsoft.com/office/drawing/2014/main" id="{5E16B643-1050-6B88-9F45-B22471F9B8AC}"/>
+                <a16:creationId xmlns:a16="http://schemas.microsoft.com/office/drawing/2014/main" id="{4349E41A-9484-2E0C-28F4-9638074AF72D}"/>
               </a:ext>
             </a:extLst>
           </p:cNvPr>
@@ -2100,7 +2100,7 @@
           <p:cNvPr id="4" name="灯片编号占位符 3">
             <a:extLst>
               <a:ext uri="{FF2B5EF4-FFF2-40B4-BE49-F238E27FC236}">
-                <a16:creationId xmlns:a16="http://schemas.microsoft.com/office/drawing/2014/main" id="{E314FA41-9F53-EF85-E671-A17584FEBD47}"/>
+                <a16:creationId xmlns:a16="http://schemas.microsoft.com/office/drawing/2014/main" id="{2A7503B7-D62B-EAD1-C8E0-3B9B02B6305C}"/>
               </a:ext>
             </a:extLst>
           </p:cNvPr>
@@ -2116,7 +2116,7 @@
           <a:bodyPr/>
           <a:lstStyle/>
           <a:p>
-            <a:fld id="{A73A860D-C7D3-42CB-9E12-4E81D68D883B}" type="slidenum">
+            <a:fld id="{FCCBA1DB-5895-4C7C-BC00-F901C855B094}" type="slidenum">
               <a:rPr lang="zh-CN" altLang="en-US" smtClean="0"/>
               <a:t>‹#›</a:t>
             </a:fld>
@@ -2127,7 +2127,7 @@
     </p:spTree>
     <p:extLst>
       <p:ext uri="{BB962C8B-B14F-4D97-AF65-F5344CB8AC3E}">
-        <p14:creationId xmlns:p14="http://schemas.microsoft.com/office/powerpoint/2010/main" val="2954753615"/>
+        <p14:creationId xmlns:p14="http://schemas.microsoft.com/office/powerpoint/2010/main" val="1919907376"/>
       </p:ext>
     </p:extLst>
   </p:cSld>
@@ -2159,7 +2159,7 @@
           <p:cNvPr id="2" name="标题 1">
             <a:extLst>
               <a:ext uri="{FF2B5EF4-FFF2-40B4-BE49-F238E27FC236}">
-                <a16:creationId xmlns:a16="http://schemas.microsoft.com/office/drawing/2014/main" id="{49E0F648-5D75-834B-A7BB-4C0732DCB346}"/>
+                <a16:creationId xmlns:a16="http://schemas.microsoft.com/office/drawing/2014/main" id="{929773EA-B99D-235B-8023-58383DD74DCA}"/>
               </a:ext>
             </a:extLst>
           </p:cNvPr>
@@ -2196,7 +2196,7 @@
           <p:cNvPr id="3" name="内容占位符 2">
             <a:extLst>
               <a:ext uri="{FF2B5EF4-FFF2-40B4-BE49-F238E27FC236}">
-                <a16:creationId xmlns:a16="http://schemas.microsoft.com/office/drawing/2014/main" id="{2392160D-781A-07BD-8918-2F93E0EBA6B4}"/>
+                <a16:creationId xmlns:a16="http://schemas.microsoft.com/office/drawing/2014/main" id="{B4F53A7B-04F2-D7A1-C271-93A72ECB6165}"/>
               </a:ext>
             </a:extLst>
           </p:cNvPr>
@@ -2286,7 +2286,7 @@
           <p:cNvPr id="4" name="文本占位符 3">
             <a:extLst>
               <a:ext uri="{FF2B5EF4-FFF2-40B4-BE49-F238E27FC236}">
-                <a16:creationId xmlns:a16="http://schemas.microsoft.com/office/drawing/2014/main" id="{D12C9127-D8BC-A041-50A5-229CB70D861D}"/>
+                <a16:creationId xmlns:a16="http://schemas.microsoft.com/office/drawing/2014/main" id="{4B433504-4145-4E1C-DD7E-E8B946FCB5C1}"/>
               </a:ext>
             </a:extLst>
           </p:cNvPr>
@@ -2357,7 +2357,7 @@
           <p:cNvPr id="5" name="日期占位符 4">
             <a:extLst>
               <a:ext uri="{FF2B5EF4-FFF2-40B4-BE49-F238E27FC236}">
-                <a16:creationId xmlns:a16="http://schemas.microsoft.com/office/drawing/2014/main" id="{4D2CB96B-A9C3-138B-B762-FB51F9993F05}"/>
+                <a16:creationId xmlns:a16="http://schemas.microsoft.com/office/drawing/2014/main" id="{C6DCE24D-8B0D-7FEE-1BCF-D84B7482B059}"/>
               </a:ext>
             </a:extLst>
           </p:cNvPr>
@@ -2373,7 +2373,7 @@
           <a:bodyPr/>
           <a:lstStyle/>
           <a:p>
-            <a:fld id="{C777B3F1-DD18-4C3A-A7EF-9E0667E34470}" type="datetimeFigureOut">
+            <a:fld id="{E65283FF-AA1B-4751-B77A-CCBE6A32C17E}" type="datetimeFigureOut">
               <a:rPr lang="zh-CN" altLang="en-US" smtClean="0"/>
               <a:t>2024/3/10</a:t>
             </a:fld>
@@ -2386,7 +2386,7 @@
           <p:cNvPr id="6" name="页脚占位符 5">
             <a:extLst>
               <a:ext uri="{FF2B5EF4-FFF2-40B4-BE49-F238E27FC236}">
-                <a16:creationId xmlns:a16="http://schemas.microsoft.com/office/drawing/2014/main" id="{F51E0916-9540-8BE2-0459-670E66B0333E}"/>
+                <a16:creationId xmlns:a16="http://schemas.microsoft.com/office/drawing/2014/main" id="{38BC8ECE-68C1-F748-326A-27E6F7564F81}"/>
               </a:ext>
             </a:extLst>
           </p:cNvPr>
@@ -2411,7 +2411,7 @@
           <p:cNvPr id="7" name="灯片编号占位符 6">
             <a:extLst>
               <a:ext uri="{FF2B5EF4-FFF2-40B4-BE49-F238E27FC236}">
-                <a16:creationId xmlns:a16="http://schemas.microsoft.com/office/drawing/2014/main" id="{72060589-5FD0-14FB-569F-E402DDAC88A5}"/>
+                <a16:creationId xmlns:a16="http://schemas.microsoft.com/office/drawing/2014/main" id="{8B90EED7-E7E9-2F9D-2983-B8DC1E24B1EA}"/>
               </a:ext>
             </a:extLst>
           </p:cNvPr>
@@ -2427,7 +2427,7 @@
           <a:bodyPr/>
           <a:lstStyle/>
           <a:p>
-            <a:fld id="{A73A860D-C7D3-42CB-9E12-4E81D68D883B}" type="slidenum">
+            <a:fld id="{FCCBA1DB-5895-4C7C-BC00-F901C855B094}" type="slidenum">
               <a:rPr lang="zh-CN" altLang="en-US" smtClean="0"/>
               <a:t>‹#›</a:t>
             </a:fld>
@@ -2438,7 +2438,7 @@
     </p:spTree>
     <p:extLst>
       <p:ext uri="{BB962C8B-B14F-4D97-AF65-F5344CB8AC3E}">
-        <p14:creationId xmlns:p14="http://schemas.microsoft.com/office/powerpoint/2010/main" val="1550432763"/>
+        <p14:creationId xmlns:p14="http://schemas.microsoft.com/office/powerpoint/2010/main" val="1084448848"/>
       </p:ext>
     </p:extLst>
   </p:cSld>
@@ -2470,7 +2470,7 @@
           <p:cNvPr id="2" name="标题 1">
             <a:extLst>
               <a:ext uri="{FF2B5EF4-FFF2-40B4-BE49-F238E27FC236}">
-                <a16:creationId xmlns:a16="http://schemas.microsoft.com/office/drawing/2014/main" id="{D22D6EC0-90D5-3F6D-A6ED-D23FFAA69AB0}"/>
+                <a16:creationId xmlns:a16="http://schemas.microsoft.com/office/drawing/2014/main" id="{7BB4A635-EB44-5DFD-AB41-4BFF7292B393}"/>
               </a:ext>
             </a:extLst>
           </p:cNvPr>
@@ -2507,7 +2507,7 @@
           <p:cNvPr id="3" name="图片占位符 2">
             <a:extLst>
               <a:ext uri="{FF2B5EF4-FFF2-40B4-BE49-F238E27FC236}">
-                <a16:creationId xmlns:a16="http://schemas.microsoft.com/office/drawing/2014/main" id="{31133FE2-AB53-1D96-F9B9-7ED863CF242A}"/>
+                <a16:creationId xmlns:a16="http://schemas.microsoft.com/office/drawing/2014/main" id="{D5FE6445-786B-990A-D098-24E986EC7AB0}"/>
               </a:ext>
             </a:extLst>
           </p:cNvPr>
@@ -2574,7 +2574,7 @@
           <p:cNvPr id="4" name="文本占位符 3">
             <a:extLst>
               <a:ext uri="{FF2B5EF4-FFF2-40B4-BE49-F238E27FC236}">
-                <a16:creationId xmlns:a16="http://schemas.microsoft.com/office/drawing/2014/main" id="{C60D54AB-6E03-6D6C-A4BE-AEF12CD046BE}"/>
+                <a16:creationId xmlns:a16="http://schemas.microsoft.com/office/drawing/2014/main" id="{DF74CC71-B64E-F397-C32A-B8A6E83D09BE}"/>
               </a:ext>
             </a:extLst>
           </p:cNvPr>
@@ -2645,7 +2645,7 @@
           <p:cNvPr id="5" name="日期占位符 4">
             <a:extLst>
               <a:ext uri="{FF2B5EF4-FFF2-40B4-BE49-F238E27FC236}">
-                <a16:creationId xmlns:a16="http://schemas.microsoft.com/office/drawing/2014/main" id="{39BFF285-7CA1-B896-C92D-2520C22185EF}"/>
+                <a16:creationId xmlns:a16="http://schemas.microsoft.com/office/drawing/2014/main" id="{0B37FBB1-80E5-60E4-F8AF-963FE8688438}"/>
               </a:ext>
             </a:extLst>
           </p:cNvPr>
@@ -2661,7 +2661,7 @@
           <a:bodyPr/>
           <a:lstStyle/>
           <a:p>
-            <a:fld id="{C777B3F1-DD18-4C3A-A7EF-9E0667E34470}" type="datetimeFigureOut">
+            <a:fld id="{E65283FF-AA1B-4751-B77A-CCBE6A32C17E}" type="datetimeFigureOut">
               <a:rPr lang="zh-CN" altLang="en-US" smtClean="0"/>
               <a:t>2024/3/10</a:t>
             </a:fld>
@@ -2674,7 +2674,7 @@
           <p:cNvPr id="6" name="页脚占位符 5">
             <a:extLst>
               <a:ext uri="{FF2B5EF4-FFF2-40B4-BE49-F238E27FC236}">
-                <a16:creationId xmlns:a16="http://schemas.microsoft.com/office/drawing/2014/main" id="{FAAC85F9-54F9-EE3F-AA60-233E043049E0}"/>
+                <a16:creationId xmlns:a16="http://schemas.microsoft.com/office/drawing/2014/main" id="{2F70B555-C443-9B0D-2AC2-8634A28ADD0C}"/>
               </a:ext>
             </a:extLst>
           </p:cNvPr>
@@ -2699,7 +2699,7 @@
           <p:cNvPr id="7" name="灯片编号占位符 6">
             <a:extLst>
               <a:ext uri="{FF2B5EF4-FFF2-40B4-BE49-F238E27FC236}">
-                <a16:creationId xmlns:a16="http://schemas.microsoft.com/office/drawing/2014/main" id="{59DF85E7-CD2F-662E-5CB2-79BB1DE19DF3}"/>
+                <a16:creationId xmlns:a16="http://schemas.microsoft.com/office/drawing/2014/main" id="{44B0ED01-4229-0CF2-AD4F-4AD6C6F68D65}"/>
               </a:ext>
             </a:extLst>
           </p:cNvPr>
@@ -2715,7 +2715,7 @@
           <a:bodyPr/>
           <a:lstStyle/>
           <a:p>
-            <a:fld id="{A73A860D-C7D3-42CB-9E12-4E81D68D883B}" type="slidenum">
+            <a:fld id="{FCCBA1DB-5895-4C7C-BC00-F901C855B094}" type="slidenum">
               <a:rPr lang="zh-CN" altLang="en-US" smtClean="0"/>
               <a:t>‹#›</a:t>
             </a:fld>
@@ -2726,7 +2726,7 @@
     </p:spTree>
     <p:extLst>
       <p:ext uri="{BB962C8B-B14F-4D97-AF65-F5344CB8AC3E}">
-        <p14:creationId xmlns:p14="http://schemas.microsoft.com/office/powerpoint/2010/main" val="104234102"/>
+        <p14:creationId xmlns:p14="http://schemas.microsoft.com/office/powerpoint/2010/main" val="3145405627"/>
       </p:ext>
     </p:extLst>
   </p:cSld>
@@ -2763,7 +2763,7 @@
           <p:cNvPr id="2" name="标题占位符 1">
             <a:extLst>
               <a:ext uri="{FF2B5EF4-FFF2-40B4-BE49-F238E27FC236}">
-                <a16:creationId xmlns:a16="http://schemas.microsoft.com/office/drawing/2014/main" id="{69BA74B3-92DD-EDFD-75C5-8AA154E67BE5}"/>
+                <a16:creationId xmlns:a16="http://schemas.microsoft.com/office/drawing/2014/main" id="{E683FBDE-FABB-CD1F-C8CF-1729AE465E5B}"/>
               </a:ext>
             </a:extLst>
           </p:cNvPr>
@@ -2801,7 +2801,7 @@
           <p:cNvPr id="3" name="文本占位符 2">
             <a:extLst>
               <a:ext uri="{FF2B5EF4-FFF2-40B4-BE49-F238E27FC236}">
-                <a16:creationId xmlns:a16="http://schemas.microsoft.com/office/drawing/2014/main" id="{10DEC4C8-0F19-E5CC-E6E4-432AD2B6FADC}"/>
+                <a16:creationId xmlns:a16="http://schemas.microsoft.com/office/drawing/2014/main" id="{2970FC21-E1AA-EC9A-A7B4-CEC7E3C55192}"/>
               </a:ext>
             </a:extLst>
           </p:cNvPr>
@@ -2868,7 +2868,7 @@
           <p:cNvPr id="4" name="日期占位符 3">
             <a:extLst>
               <a:ext uri="{FF2B5EF4-FFF2-40B4-BE49-F238E27FC236}">
-                <a16:creationId xmlns:a16="http://schemas.microsoft.com/office/drawing/2014/main" id="{14F9391F-03E9-5CB8-DB85-CD5D78010930}"/>
+                <a16:creationId xmlns:a16="http://schemas.microsoft.com/office/drawing/2014/main" id="{EEFDC517-E0FF-49D6-3AA8-F0F35B1F001D}"/>
               </a:ext>
             </a:extLst>
           </p:cNvPr>
@@ -2902,7 +2902,7 @@
             </a:lvl1pPr>
           </a:lstStyle>
           <a:p>
-            <a:fld id="{C777B3F1-DD18-4C3A-A7EF-9E0667E34470}" type="datetimeFigureOut">
+            <a:fld id="{E65283FF-AA1B-4751-B77A-CCBE6A32C17E}" type="datetimeFigureOut">
               <a:rPr lang="zh-CN" altLang="en-US" smtClean="0"/>
               <a:t>2024/3/10</a:t>
             </a:fld>
@@ -2915,7 +2915,7 @@
           <p:cNvPr id="5" name="页脚占位符 4">
             <a:extLst>
               <a:ext uri="{FF2B5EF4-FFF2-40B4-BE49-F238E27FC236}">
-                <a16:creationId xmlns:a16="http://schemas.microsoft.com/office/drawing/2014/main" id="{53D1D3CD-F48F-A10D-2BA0-7A26728B5117}"/>
+                <a16:creationId xmlns:a16="http://schemas.microsoft.com/office/drawing/2014/main" id="{ADC63BF6-719B-8C78-5752-2AFC35CE7392}"/>
               </a:ext>
             </a:extLst>
           </p:cNvPr>
@@ -2958,7 +2958,7 @@
           <p:cNvPr id="6" name="灯片编号占位符 5">
             <a:extLst>
               <a:ext uri="{FF2B5EF4-FFF2-40B4-BE49-F238E27FC236}">
-                <a16:creationId xmlns:a16="http://schemas.microsoft.com/office/drawing/2014/main" id="{D1C0ED1C-8177-F7D1-E816-AA6261C0D487}"/>
+                <a16:creationId xmlns:a16="http://schemas.microsoft.com/office/drawing/2014/main" id="{7E654753-31CE-0CB0-F806-13CA2F69DAE0}"/>
               </a:ext>
             </a:extLst>
           </p:cNvPr>
@@ -2992,7 +2992,7 @@
             </a:lvl1pPr>
           </a:lstStyle>
           <a:p>
-            <a:fld id="{A73A860D-C7D3-42CB-9E12-4E81D68D883B}" type="slidenum">
+            <a:fld id="{FCCBA1DB-5895-4C7C-BC00-F901C855B094}" type="slidenum">
               <a:rPr lang="zh-CN" altLang="en-US" smtClean="0"/>
               <a:t>‹#›</a:t>
             </a:fld>
@@ -3003,7 +3003,7 @@
     </p:spTree>
     <p:extLst>
       <p:ext uri="{BB962C8B-B14F-4D97-AF65-F5344CB8AC3E}">
-        <p14:creationId xmlns:p14="http://schemas.microsoft.com/office/powerpoint/2010/main" val="1206923807"/>
+        <p14:creationId xmlns:p14="http://schemas.microsoft.com/office/powerpoint/2010/main" val="2636244275"/>
       </p:ext>
     </p:extLst>
   </p:cSld>
